--- a/clases/Cap02_Extraccion_de_Caracteristicas/presentations/PAT02_DescriptoresFourier.pptx
+++ b/clases/Cap02_Extraccion_de_Caracteristicas/presentations/PAT02_DescriptoresFourier.pptx
@@ -5,7 +5,7 @@
     <p:sldMasterId id="2147483648" r:id="rId1"/>
   </p:sldMasterIdLst>
   <p:notesMasterIdLst>
-    <p:notesMasterId r:id="rId15"/>
+    <p:notesMasterId r:id="rId16"/>
   </p:notesMasterIdLst>
   <p:sldIdLst>
     <p:sldId id="313" r:id="rId2"/>
@@ -16,11 +16,12 @@
     <p:sldId id="324" r:id="rId7"/>
     <p:sldId id="326" r:id="rId8"/>
     <p:sldId id="323" r:id="rId9"/>
-    <p:sldId id="319" r:id="rId10"/>
-    <p:sldId id="316" r:id="rId11"/>
-    <p:sldId id="317" r:id="rId12"/>
-    <p:sldId id="318" r:id="rId13"/>
-    <p:sldId id="314" r:id="rId14"/>
+    <p:sldId id="327" r:id="rId10"/>
+    <p:sldId id="319" r:id="rId11"/>
+    <p:sldId id="316" r:id="rId12"/>
+    <p:sldId id="317" r:id="rId13"/>
+    <p:sldId id="318" r:id="rId14"/>
+    <p:sldId id="314" r:id="rId15"/>
   </p:sldIdLst>
   <p:sldSz cx="9144000" cy="6858000" type="screen4x3"/>
   <p:notesSz cx="6858000" cy="9144000"/>
@@ -4820,13 +4821,14 @@
               </a:ext>
             </a:extLst>
           </a:blip>
-          <a:srcRect/>
-          <a:stretch/>
+          <a:stretch>
+            <a:fillRect/>
+          </a:stretch>
         </p:blipFill>
         <p:spPr>
           <a:xfrm>
-            <a:off x="0" y="1968976"/>
-            <a:ext cx="9144000" cy="2920047"/>
+            <a:off x="0" y="1947686"/>
+            <a:ext cx="9144000" cy="2962628"/>
           </a:xfrm>
           <a:prstGeom prst="rect">
             <a:avLst/>
@@ -4836,7 +4838,7 @@
     </p:spTree>
     <p:extLst>
       <p:ext uri="{BB962C8B-B14F-4D97-AF65-F5344CB8AC3E}">
-        <p14:creationId xmlns:p14="http://schemas.microsoft.com/office/powerpoint/2010/main" val="27772215"/>
+        <p14:creationId xmlns:p14="http://schemas.microsoft.com/office/powerpoint/2010/main" val="1167033429"/>
       </p:ext>
     </p:extLst>
   </p:cSld>
@@ -4890,8 +4892,8 @@
         </p:blipFill>
         <p:spPr>
           <a:xfrm>
-            <a:off x="72535" y="1968976"/>
-            <a:ext cx="8998929" cy="2920047"/>
+            <a:off x="0" y="1968976"/>
+            <a:ext cx="9144000" cy="2920047"/>
           </a:xfrm>
           <a:prstGeom prst="rect">
             <a:avLst/>
@@ -4901,7 +4903,7 @@
     </p:spTree>
     <p:extLst>
       <p:ext uri="{BB962C8B-B14F-4D97-AF65-F5344CB8AC3E}">
-        <p14:creationId xmlns:p14="http://schemas.microsoft.com/office/powerpoint/2010/main" val="4188521502"/>
+        <p14:creationId xmlns:p14="http://schemas.microsoft.com/office/powerpoint/2010/main" val="27772215"/>
       </p:ext>
     </p:extLst>
   </p:cSld>
@@ -4955,6 +4957,71 @@
         </p:blipFill>
         <p:spPr>
           <a:xfrm>
+            <a:off x="72535" y="1968976"/>
+            <a:ext cx="8998929" cy="2920047"/>
+          </a:xfrm>
+          <a:prstGeom prst="rect">
+            <a:avLst/>
+          </a:prstGeom>
+        </p:spPr>
+      </p:pic>
+    </p:spTree>
+    <p:extLst>
+      <p:ext uri="{BB962C8B-B14F-4D97-AF65-F5344CB8AC3E}">
+        <p14:creationId xmlns:p14="http://schemas.microsoft.com/office/powerpoint/2010/main" val="4188521502"/>
+      </p:ext>
+    </p:extLst>
+  </p:cSld>
+  <p:clrMapOvr>
+    <a:masterClrMapping/>
+  </p:clrMapOvr>
+</p:sld>
+</file>
+
+<file path=ppt/slides/slide13.xml><?xml version="1.0" encoding="utf-8"?>
+<p:sld xmlns:a="http://schemas.openxmlformats.org/drawingml/2006/main" xmlns:r="http://schemas.openxmlformats.org/officeDocument/2006/relationships" xmlns:p="http://schemas.openxmlformats.org/presentationml/2006/main">
+  <p:cSld>
+    <p:spTree>
+      <p:nvGrpSpPr>
+        <p:cNvPr id="1" name=""/>
+        <p:cNvGrpSpPr/>
+        <p:nvPr/>
+      </p:nvGrpSpPr>
+      <p:grpSpPr>
+        <a:xfrm>
+          <a:off x="0" y="0"/>
+          <a:ext cx="0" cy="0"/>
+          <a:chOff x="0" y="0"/>
+          <a:chExt cx="0" cy="0"/>
+        </a:xfrm>
+      </p:grpSpPr>
+      <p:pic>
+        <p:nvPicPr>
+          <p:cNvPr id="5" name="Picture 4">
+            <a:extLst>
+              <a:ext uri="{FF2B5EF4-FFF2-40B4-BE49-F238E27FC236}">
+                <a16:creationId xmlns:a16="http://schemas.microsoft.com/office/drawing/2014/main" id="{55B77D74-2379-2F4B-B8F1-E034DF9DA948}"/>
+              </a:ext>
+            </a:extLst>
+          </p:cNvPr>
+          <p:cNvPicPr>
+            <a:picLocks noChangeAspect="1"/>
+          </p:cNvPicPr>
+          <p:nvPr/>
+        </p:nvPicPr>
+        <p:blipFill>
+          <a:blip r:embed="rId2">
+            <a:extLst>
+              <a:ext uri="{28A0092B-C50C-407E-A947-70E740481C1C}">
+                <a14:useLocalDpi xmlns:a14="http://schemas.microsoft.com/office/drawing/2010/main" val="0"/>
+              </a:ext>
+            </a:extLst>
+          </a:blip>
+          <a:srcRect/>
+          <a:stretch/>
+        </p:blipFill>
+        <p:spPr>
+          <a:xfrm>
             <a:off x="72535" y="1984811"/>
             <a:ext cx="8998929" cy="2888376"/>
           </a:xfrm>
@@ -4976,7 +5043,7 @@
 </p:sld>
 </file>
 
-<file path=ppt/slides/slide13.xml><?xml version="1.0" encoding="utf-8"?>
+<file path=ppt/slides/slide14.xml><?xml version="1.0" encoding="utf-8"?>
 <p:sld xmlns:a="http://schemas.openxmlformats.org/drawingml/2006/main" xmlns:r="http://schemas.openxmlformats.org/officeDocument/2006/relationships" xmlns:p="http://schemas.openxmlformats.org/presentationml/2006/main">
   <p:cSld>
     <p:bg>
@@ -5635,8 +5702,44 @@
         </p:blipFill>
         <p:spPr>
           <a:xfrm>
-            <a:off x="501355" y="857988"/>
+            <a:off x="1915485" y="2420973"/>
             <a:ext cx="4534761" cy="3607686"/>
+          </a:xfrm>
+          <a:prstGeom prst="rect">
+            <a:avLst/>
+          </a:prstGeom>
+        </p:spPr>
+      </p:pic>
+      <p:pic>
+        <p:nvPicPr>
+          <p:cNvPr id="18" name="Picture 17">
+            <a:extLst>
+              <a:ext uri="{FF2B5EF4-FFF2-40B4-BE49-F238E27FC236}">
+                <a16:creationId xmlns:a16="http://schemas.microsoft.com/office/drawing/2014/main" id="{C0F8AA97-A9FC-8C4D-9081-1282834EED8D}"/>
+              </a:ext>
+            </a:extLst>
+          </p:cNvPr>
+          <p:cNvPicPr>
+            <a:picLocks noChangeAspect="1"/>
+          </p:cNvPicPr>
+          <p:nvPr/>
+        </p:nvPicPr>
+        <p:blipFill>
+          <a:blip r:embed="rId3">
+            <a:extLst>
+              <a:ext uri="{28A0092B-C50C-407E-A947-70E740481C1C}">
+                <a14:useLocalDpi xmlns:a14="http://schemas.microsoft.com/office/drawing/2010/main" val="0"/>
+              </a:ext>
+            </a:extLst>
+          </a:blip>
+          <a:stretch>
+            <a:fillRect/>
+          </a:stretch>
+        </p:blipFill>
+        <p:spPr>
+          <a:xfrm>
+            <a:off x="0" y="223117"/>
+            <a:ext cx="9144000" cy="1648380"/>
           </a:xfrm>
           <a:prstGeom prst="rect">
             <a:avLst/>
@@ -5781,6 +5884,231 @@
           </a:prstGeom>
         </p:spPr>
       </p:pic>
+      <p:cxnSp>
+        <p:nvCxnSpPr>
+          <p:cNvPr id="7" name="Straight Connector 6">
+            <a:extLst>
+              <a:ext uri="{FF2B5EF4-FFF2-40B4-BE49-F238E27FC236}">
+                <a16:creationId xmlns:a16="http://schemas.microsoft.com/office/drawing/2014/main" id="{D0BC590B-E017-A04A-8D44-BFD5F10C3B32}"/>
+              </a:ext>
+            </a:extLst>
+          </p:cNvPr>
+          <p:cNvCxnSpPr>
+            <a:cxnSpLocks/>
+          </p:cNvCxnSpPr>
+          <p:nvPr/>
+        </p:nvCxnSpPr>
+        <p:spPr>
+          <a:xfrm>
+            <a:off x="2019503" y="3477443"/>
+            <a:ext cx="5508000" cy="0"/>
+          </a:xfrm>
+          <a:prstGeom prst="line">
+            <a:avLst/>
+          </a:prstGeom>
+          <a:ln w="6350" cmpd="sng">
+            <a:solidFill>
+              <a:schemeClr val="bg1">
+                <a:lumMod val="50000"/>
+              </a:schemeClr>
+            </a:solidFill>
+          </a:ln>
+        </p:spPr>
+        <p:style>
+          <a:lnRef idx="1">
+            <a:schemeClr val="accent1"/>
+          </a:lnRef>
+          <a:fillRef idx="0">
+            <a:schemeClr val="accent1"/>
+          </a:fillRef>
+          <a:effectRef idx="0">
+            <a:schemeClr val="accent1"/>
+          </a:effectRef>
+          <a:fontRef idx="minor">
+            <a:schemeClr val="tx1"/>
+          </a:fontRef>
+        </p:style>
+      </p:cxnSp>
+      <p:cxnSp>
+        <p:nvCxnSpPr>
+          <p:cNvPr id="8" name="Straight Connector 7">
+            <a:extLst>
+              <a:ext uri="{FF2B5EF4-FFF2-40B4-BE49-F238E27FC236}">
+                <a16:creationId xmlns:a16="http://schemas.microsoft.com/office/drawing/2014/main" id="{4FB4D014-3B3F-5347-91B0-A47B2A83F6A8}"/>
+              </a:ext>
+            </a:extLst>
+          </p:cNvPr>
+          <p:cNvCxnSpPr>
+            <a:cxnSpLocks/>
+          </p:cNvCxnSpPr>
+          <p:nvPr/>
+        </p:nvCxnSpPr>
+        <p:spPr>
+          <a:xfrm>
+            <a:off x="2012414" y="3842494"/>
+            <a:ext cx="5508000" cy="0"/>
+          </a:xfrm>
+          <a:prstGeom prst="line">
+            <a:avLst/>
+          </a:prstGeom>
+          <a:ln w="6350" cmpd="sng">
+            <a:solidFill>
+              <a:schemeClr val="bg1">
+                <a:lumMod val="50000"/>
+              </a:schemeClr>
+            </a:solidFill>
+          </a:ln>
+        </p:spPr>
+        <p:style>
+          <a:lnRef idx="1">
+            <a:schemeClr val="accent1"/>
+          </a:lnRef>
+          <a:fillRef idx="0">
+            <a:schemeClr val="accent1"/>
+          </a:fillRef>
+          <a:effectRef idx="0">
+            <a:schemeClr val="accent1"/>
+          </a:effectRef>
+          <a:fontRef idx="minor">
+            <a:schemeClr val="tx1"/>
+          </a:fontRef>
+        </p:style>
+      </p:cxnSp>
+      <p:cxnSp>
+        <p:nvCxnSpPr>
+          <p:cNvPr id="9" name="Straight Connector 8">
+            <a:extLst>
+              <a:ext uri="{FF2B5EF4-FFF2-40B4-BE49-F238E27FC236}">
+                <a16:creationId xmlns:a16="http://schemas.microsoft.com/office/drawing/2014/main" id="{AB28C387-DB1A-F449-B87D-2376365374A3}"/>
+              </a:ext>
+            </a:extLst>
+          </p:cNvPr>
+          <p:cNvCxnSpPr>
+            <a:cxnSpLocks/>
+          </p:cNvCxnSpPr>
+          <p:nvPr/>
+        </p:nvCxnSpPr>
+        <p:spPr>
+          <a:xfrm>
+            <a:off x="2015958" y="4239443"/>
+            <a:ext cx="5508000" cy="0"/>
+          </a:xfrm>
+          <a:prstGeom prst="line">
+            <a:avLst/>
+          </a:prstGeom>
+          <a:ln w="6350" cmpd="sng">
+            <a:solidFill>
+              <a:schemeClr val="bg1">
+                <a:lumMod val="50000"/>
+              </a:schemeClr>
+            </a:solidFill>
+          </a:ln>
+        </p:spPr>
+        <p:style>
+          <a:lnRef idx="1">
+            <a:schemeClr val="accent1"/>
+          </a:lnRef>
+          <a:fillRef idx="0">
+            <a:schemeClr val="accent1"/>
+          </a:fillRef>
+          <a:effectRef idx="0">
+            <a:schemeClr val="accent1"/>
+          </a:effectRef>
+          <a:fontRef idx="minor">
+            <a:schemeClr val="tx1"/>
+          </a:fontRef>
+        </p:style>
+      </p:cxnSp>
+      <p:cxnSp>
+        <p:nvCxnSpPr>
+          <p:cNvPr id="10" name="Straight Connector 9">
+            <a:extLst>
+              <a:ext uri="{FF2B5EF4-FFF2-40B4-BE49-F238E27FC236}">
+                <a16:creationId xmlns:a16="http://schemas.microsoft.com/office/drawing/2014/main" id="{27E9EB9B-D6B7-154A-8909-FCDB5FBAE436}"/>
+              </a:ext>
+            </a:extLst>
+          </p:cNvPr>
+          <p:cNvCxnSpPr>
+            <a:cxnSpLocks/>
+          </p:cNvCxnSpPr>
+          <p:nvPr/>
+        </p:nvCxnSpPr>
+        <p:spPr>
+          <a:xfrm>
+            <a:off x="1994694" y="3091127"/>
+            <a:ext cx="5508000" cy="0"/>
+          </a:xfrm>
+          <a:prstGeom prst="line">
+            <a:avLst/>
+          </a:prstGeom>
+          <a:ln w="6350" cmpd="sng">
+            <a:solidFill>
+              <a:schemeClr val="bg1">
+                <a:lumMod val="50000"/>
+              </a:schemeClr>
+            </a:solidFill>
+          </a:ln>
+        </p:spPr>
+        <p:style>
+          <a:lnRef idx="1">
+            <a:schemeClr val="accent1"/>
+          </a:lnRef>
+          <a:fillRef idx="0">
+            <a:schemeClr val="accent1"/>
+          </a:fillRef>
+          <a:effectRef idx="0">
+            <a:schemeClr val="accent1"/>
+          </a:effectRef>
+          <a:fontRef idx="minor">
+            <a:schemeClr val="tx1"/>
+          </a:fontRef>
+        </p:style>
+      </p:cxnSp>
+      <p:sp>
+        <p:nvSpPr>
+          <p:cNvPr id="11" name="TextBox 10">
+            <a:extLst>
+              <a:ext uri="{FF2B5EF4-FFF2-40B4-BE49-F238E27FC236}">
+                <a16:creationId xmlns:a16="http://schemas.microsoft.com/office/drawing/2014/main" id="{8714662D-6921-2F41-9DC7-EC1B8F0F4DB5}"/>
+              </a:ext>
+            </a:extLst>
+          </p:cNvPr>
+          <p:cNvSpPr txBox="1"/>
+          <p:nvPr/>
+        </p:nvSpPr>
+        <p:spPr>
+          <a:xfrm>
+            <a:off x="1977656" y="4423144"/>
+            <a:ext cx="5275803" cy="369332"/>
+          </a:xfrm>
+          <a:prstGeom prst="rect">
+            <a:avLst/>
+          </a:prstGeom>
+          <a:noFill/>
+        </p:spPr>
+        <p:txBody>
+          <a:bodyPr wrap="none" rtlCol="0">
+            <a:spAutoFit/>
+          </a:bodyPr>
+          <a:lstStyle/>
+          <a:p>
+            <a:r>
+              <a:rPr lang="en-US" dirty="0">
+                <a:latin typeface="Times New Roman" panose="02020603050405020304" pitchFamily="18" charset="0"/>
+                <a:cs typeface="Times New Roman" panose="02020603050405020304" pitchFamily="18" charset="0"/>
+              </a:rPr>
+              <a:t>0</a:t>
+            </a:r>
+            <a:r>
+              <a:rPr lang="en-US" i="1" dirty="0">
+                <a:latin typeface="Times New Roman" panose="02020603050405020304" pitchFamily="18" charset="0"/>
+                <a:cs typeface="Times New Roman" panose="02020603050405020304" pitchFamily="18" charset="0"/>
+              </a:rPr>
+              <a:t>                                                                                 L</a:t>
+            </a:r>
+          </a:p>
+        </p:txBody>
+      </p:sp>
     </p:spTree>
     <p:extLst>
       <p:ext uri="{BB962C8B-B14F-4D97-AF65-F5344CB8AC3E}">
@@ -5947,7 +6275,7 @@
         </p:blipFill>
         <p:spPr>
           <a:xfrm>
-            <a:off x="3284760" y="2964561"/>
+            <a:off x="2561746" y="2996459"/>
             <a:ext cx="3753993" cy="1478082"/>
           </a:xfrm>
           <a:prstGeom prst="rect">
@@ -5986,6 +6314,36 @@
           <a:xfrm>
             <a:off x="2955852" y="4535648"/>
             <a:ext cx="5656522" cy="1283344"/>
+          </a:xfrm>
+          <a:prstGeom prst="rect">
+            <a:avLst/>
+          </a:prstGeom>
+        </p:spPr>
+      </p:pic>
+      <p:pic>
+        <p:nvPicPr>
+          <p:cNvPr id="2" name="Picture 1">
+            <a:extLst>
+              <a:ext uri="{FF2B5EF4-FFF2-40B4-BE49-F238E27FC236}">
+                <a16:creationId xmlns:a16="http://schemas.microsoft.com/office/drawing/2014/main" id="{FABA7113-1B08-784C-A9E2-299AF9FF4F9B}"/>
+              </a:ext>
+            </a:extLst>
+          </p:cNvPr>
+          <p:cNvPicPr>
+            <a:picLocks noChangeAspect="1"/>
+          </p:cNvPicPr>
+          <p:nvPr/>
+        </p:nvPicPr>
+        <p:blipFill>
+          <a:blip r:embed="rId7"/>
+          <a:stretch>
+            <a:fillRect/>
+          </a:stretch>
+        </p:blipFill>
+        <p:spPr>
+          <a:xfrm>
+            <a:off x="6749607" y="3534292"/>
+            <a:ext cx="1854200" cy="469900"/>
           </a:xfrm>
           <a:prstGeom prst="rect">
             <a:avLst/>
@@ -6161,6 +6519,126 @@
           </a:prstGeom>
         </p:spPr>
       </p:pic>
+      <p:sp>
+        <p:nvSpPr>
+          <p:cNvPr id="6" name="Down Arrow 5">
+            <a:extLst>
+              <a:ext uri="{FF2B5EF4-FFF2-40B4-BE49-F238E27FC236}">
+                <a16:creationId xmlns:a16="http://schemas.microsoft.com/office/drawing/2014/main" id="{5CE9DE85-3F46-CD43-9FCA-7DD67F916B2D}"/>
+              </a:ext>
+            </a:extLst>
+          </p:cNvPr>
+          <p:cNvSpPr/>
+          <p:nvPr/>
+        </p:nvSpPr>
+        <p:spPr>
+          <a:xfrm>
+            <a:off x="4901609" y="3689498"/>
+            <a:ext cx="350875" cy="542260"/>
+          </a:xfrm>
+          <a:prstGeom prst="downArrow">
+            <a:avLst/>
+          </a:prstGeom>
+        </p:spPr>
+        <p:style>
+          <a:lnRef idx="2">
+            <a:schemeClr val="accent1">
+              <a:shade val="50000"/>
+            </a:schemeClr>
+          </a:lnRef>
+          <a:fillRef idx="1">
+            <a:schemeClr val="accent1"/>
+          </a:fillRef>
+          <a:effectRef idx="0">
+            <a:schemeClr val="accent1"/>
+          </a:effectRef>
+          <a:fontRef idx="minor">
+            <a:schemeClr val="lt1"/>
+          </a:fontRef>
+        </p:style>
+        <p:txBody>
+          <a:bodyPr rtlCol="0" anchor="ctr"/>
+          <a:lstStyle/>
+          <a:p>
+            <a:pPr algn="ctr"/>
+            <a:endParaRPr lang="en-US"/>
+          </a:p>
+        </p:txBody>
+      </p:sp>
+      <p:sp>
+        <p:nvSpPr>
+          <p:cNvPr id="12" name="TextBox 11">
+            <a:extLst>
+              <a:ext uri="{FF2B5EF4-FFF2-40B4-BE49-F238E27FC236}">
+                <a16:creationId xmlns:a16="http://schemas.microsoft.com/office/drawing/2014/main" id="{0E9D82C4-0FEA-1241-9632-35D726FC2C02}"/>
+              </a:ext>
+            </a:extLst>
+          </p:cNvPr>
+          <p:cNvSpPr txBox="1"/>
+          <p:nvPr/>
+        </p:nvSpPr>
+        <p:spPr>
+          <a:xfrm>
+            <a:off x="5411973" y="3700130"/>
+            <a:ext cx="1672317" cy="369332"/>
+          </a:xfrm>
+          <a:prstGeom prst="rect">
+            <a:avLst/>
+          </a:prstGeom>
+          <a:noFill/>
+        </p:spPr>
+        <p:txBody>
+          <a:bodyPr wrap="none" rtlCol="0">
+            <a:spAutoFit/>
+          </a:bodyPr>
+          <a:lstStyle/>
+          <a:p>
+            <a:r>
+              <a:rPr lang="en-US" dirty="0"/>
+              <a:t>Serie de Fourier</a:t>
+            </a:r>
+          </a:p>
+        </p:txBody>
+      </p:sp>
+      <p:sp>
+        <p:nvSpPr>
+          <p:cNvPr id="16" name="TextBox 15">
+            <a:extLst>
+              <a:ext uri="{FF2B5EF4-FFF2-40B4-BE49-F238E27FC236}">
+                <a16:creationId xmlns:a16="http://schemas.microsoft.com/office/drawing/2014/main" id="{0F2A18B8-5923-3E44-9A61-44C6911FE501}"/>
+              </a:ext>
+            </a:extLst>
+          </p:cNvPr>
+          <p:cNvSpPr txBox="1"/>
+          <p:nvPr/>
+        </p:nvSpPr>
+        <p:spPr>
+          <a:xfrm>
+            <a:off x="6510670" y="5989674"/>
+            <a:ext cx="2380973" cy="369332"/>
+          </a:xfrm>
+          <a:prstGeom prst="rect">
+            <a:avLst/>
+          </a:prstGeom>
+          <a:noFill/>
+        </p:spPr>
+        <p:txBody>
+          <a:bodyPr wrap="none" rtlCol="0">
+            <a:spAutoFit/>
+          </a:bodyPr>
+          <a:lstStyle/>
+          <a:p>
+            <a:r>
+              <a:rPr lang="en-US" dirty="0" err="1"/>
+              <a:t>Descriptores</a:t>
+            </a:r>
+            <a:r>
+              <a:rPr lang="en-US" dirty="0"/>
+              <a:t> de Fourier</a:t>
+            </a:r>
+          </a:p>
+        </p:txBody>
+      </p:sp>
     </p:spTree>
     <p:extLst>
       <p:ext uri="{BB962C8B-B14F-4D97-AF65-F5344CB8AC3E}">
@@ -6191,46 +6669,44 @@
           <a:chExt cx="0" cy="0"/>
         </a:xfrm>
       </p:grpSpPr>
-      <p:pic>
-        <p:nvPicPr>
-          <p:cNvPr id="5" name="Picture 4">
+      <p:sp>
+        <p:nvSpPr>
+          <p:cNvPr id="2" name="Title 1">
             <a:extLst>
               <a:ext uri="{FF2B5EF4-FFF2-40B4-BE49-F238E27FC236}">
-                <a16:creationId xmlns:a16="http://schemas.microsoft.com/office/drawing/2014/main" id="{55B77D74-2379-2F4B-B8F1-E034DF9DA948}"/>
+                <a16:creationId xmlns:a16="http://schemas.microsoft.com/office/drawing/2014/main" id="{403B9365-DC91-024B-A72E-529384FB40E6}"/>
               </a:ext>
             </a:extLst>
           </p:cNvPr>
-          <p:cNvPicPr>
-            <a:picLocks noChangeAspect="1"/>
-          </p:cNvPicPr>
-          <p:nvPr/>
-        </p:nvPicPr>
-        <p:blipFill>
-          <a:blip r:embed="rId2">
-            <a:extLst>
-              <a:ext uri="{28A0092B-C50C-407E-A947-70E740481C1C}">
-                <a14:useLocalDpi xmlns:a14="http://schemas.microsoft.com/office/drawing/2010/main" val="0"/>
-              </a:ext>
-            </a:extLst>
-          </a:blip>
-          <a:stretch>
-            <a:fillRect/>
-          </a:stretch>
-        </p:blipFill>
-        <p:spPr>
-          <a:xfrm>
-            <a:off x="0" y="1947686"/>
-            <a:ext cx="9144000" cy="2962628"/>
-          </a:xfrm>
-          <a:prstGeom prst="rect">
-            <a:avLst/>
-          </a:prstGeom>
-        </p:spPr>
-      </p:pic>
+          <p:cNvSpPr>
+            <a:spLocks noGrp="1"/>
+          </p:cNvSpPr>
+          <p:nvPr>
+            <p:ph type="title"/>
+          </p:nvPr>
+        </p:nvSpPr>
+        <p:spPr>
+          <a:xfrm>
+            <a:off x="425303" y="2635066"/>
+            <a:ext cx="8229600" cy="1143000"/>
+          </a:xfrm>
+        </p:spPr>
+        <p:txBody>
+          <a:bodyPr/>
+          <a:lstStyle/>
+          <a:p>
+            <a:r>
+              <a:rPr lang="en-US" dirty="0" err="1"/>
+              <a:t>Ejemplo</a:t>
+            </a:r>
+            <a:endParaRPr lang="en-US" dirty="0"/>
+          </a:p>
+        </p:txBody>
+      </p:sp>
     </p:spTree>
     <p:extLst>
       <p:ext uri="{BB962C8B-B14F-4D97-AF65-F5344CB8AC3E}">
-        <p14:creationId xmlns:p14="http://schemas.microsoft.com/office/powerpoint/2010/main" val="1167033429"/>
+        <p14:creationId xmlns:p14="http://schemas.microsoft.com/office/powerpoint/2010/main" val="277573558"/>
       </p:ext>
     </p:extLst>
   </p:cSld>

--- a/clases/Cap02_Extraccion_de_Caracteristicas/presentations/PAT02_DescriptoresFourier.pptx
+++ b/clases/Cap02_Extraccion_de_Caracteristicas/presentations/PAT02_DescriptoresFourier.pptx
@@ -222,7 +222,7 @@
             <a:fld id="{6331132F-6757-456E-A169-DFC25AF282F4}" type="datetimeFigureOut">
               <a:rPr lang="es-CL" smtClean="0"/>
               <a:pPr/>
-              <a:t>30-03-21</a:t>
+              <a:t>17-03-22</a:t>
             </a:fld>
             <a:endParaRPr lang="es-CL"/>
           </a:p>
@@ -763,7 +763,7 @@
             <a:fld id="{CBB330BB-3945-4562-998B-13630C30D4E7}" type="datetimeFigureOut">
               <a:rPr lang="es-CL" smtClean="0"/>
               <a:pPr/>
-              <a:t>30-03-21</a:t>
+              <a:t>17-03-22</a:t>
             </a:fld>
             <a:endParaRPr lang="es-CL"/>
           </a:p>
@@ -930,7 +930,7 @@
             <a:fld id="{CBB330BB-3945-4562-998B-13630C30D4E7}" type="datetimeFigureOut">
               <a:rPr lang="es-CL" smtClean="0"/>
               <a:pPr/>
-              <a:t>30-03-21</a:t>
+              <a:t>17-03-22</a:t>
             </a:fld>
             <a:endParaRPr lang="es-CL"/>
           </a:p>
@@ -1107,7 +1107,7 @@
             <a:fld id="{CBB330BB-3945-4562-998B-13630C30D4E7}" type="datetimeFigureOut">
               <a:rPr lang="es-CL" smtClean="0"/>
               <a:pPr/>
-              <a:t>30-03-21</a:t>
+              <a:t>17-03-22</a:t>
             </a:fld>
             <a:endParaRPr lang="es-CL"/>
           </a:p>
@@ -1274,7 +1274,7 @@
             <a:fld id="{CBB330BB-3945-4562-998B-13630C30D4E7}" type="datetimeFigureOut">
               <a:rPr lang="es-CL" smtClean="0"/>
               <a:pPr/>
-              <a:t>30-03-21</a:t>
+              <a:t>17-03-22</a:t>
             </a:fld>
             <a:endParaRPr lang="es-CL"/>
           </a:p>
@@ -1517,7 +1517,7 @@
             <a:fld id="{CBB330BB-3945-4562-998B-13630C30D4E7}" type="datetimeFigureOut">
               <a:rPr lang="es-CL" smtClean="0"/>
               <a:pPr/>
-              <a:t>30-03-21</a:t>
+              <a:t>17-03-22</a:t>
             </a:fld>
             <a:endParaRPr lang="es-CL"/>
           </a:p>
@@ -1802,7 +1802,7 @@
             <a:fld id="{CBB330BB-3945-4562-998B-13630C30D4E7}" type="datetimeFigureOut">
               <a:rPr lang="es-CL" smtClean="0"/>
               <a:pPr/>
-              <a:t>30-03-21</a:t>
+              <a:t>17-03-22</a:t>
             </a:fld>
             <a:endParaRPr lang="es-CL"/>
           </a:p>
@@ -2221,7 +2221,7 @@
             <a:fld id="{CBB330BB-3945-4562-998B-13630C30D4E7}" type="datetimeFigureOut">
               <a:rPr lang="es-CL" smtClean="0"/>
               <a:pPr/>
-              <a:t>30-03-21</a:t>
+              <a:t>17-03-22</a:t>
             </a:fld>
             <a:endParaRPr lang="es-CL"/>
           </a:p>
@@ -2336,7 +2336,7 @@
             <a:fld id="{CBB330BB-3945-4562-998B-13630C30D4E7}" type="datetimeFigureOut">
               <a:rPr lang="es-CL" smtClean="0"/>
               <a:pPr/>
-              <a:t>30-03-21</a:t>
+              <a:t>17-03-22</a:t>
             </a:fld>
             <a:endParaRPr lang="es-CL"/>
           </a:p>
@@ -2428,7 +2428,7 @@
             <a:fld id="{CBB330BB-3945-4562-998B-13630C30D4E7}" type="datetimeFigureOut">
               <a:rPr lang="es-CL" smtClean="0"/>
               <a:pPr/>
-              <a:t>30-03-21</a:t>
+              <a:t>17-03-22</a:t>
             </a:fld>
             <a:endParaRPr lang="es-CL"/>
           </a:p>
@@ -2702,7 +2702,7 @@
             <a:fld id="{CBB330BB-3945-4562-998B-13630C30D4E7}" type="datetimeFigureOut">
               <a:rPr lang="es-CL" smtClean="0"/>
               <a:pPr/>
-              <a:t>30-03-21</a:t>
+              <a:t>17-03-22</a:t>
             </a:fld>
             <a:endParaRPr lang="es-CL"/>
           </a:p>
@@ -2952,7 +2952,7 @@
             <a:fld id="{CBB330BB-3945-4562-998B-13630C30D4E7}" type="datetimeFigureOut">
               <a:rPr lang="es-CL" smtClean="0"/>
               <a:pPr/>
-              <a:t>30-03-21</a:t>
+              <a:t>17-03-22</a:t>
             </a:fld>
             <a:endParaRPr lang="es-CL"/>
           </a:p>
@@ -3162,7 +3162,7 @@
             <a:fld id="{CBB330BB-3945-4562-998B-13630C30D4E7}" type="datetimeFigureOut">
               <a:rPr lang="es-CL" smtClean="0"/>
               <a:pPr/>
-              <a:t>30-03-21</a:t>
+              <a:t>17-03-22</a:t>
             </a:fld>
             <a:endParaRPr lang="es-CL"/>
           </a:p>
@@ -3900,7 +3900,7 @@
                 </a:solidFill>
                 <a:latin typeface="Trebuchet MS" pitchFamily="34" charset="0"/>
               </a:rPr>
-              <a:t>Departmento de Ciencia de la Computación</a:t>
+              <a:t>Departamento de Ciencia de la Computación</a:t>
             </a:r>
           </a:p>
           <a:p>
